--- a/paper/for_presentation.pptx
+++ b/paper/for_presentation.pptx
@@ -236,7 +236,7 @@
           <a:p>
             <a:fld id="{874B26F9-9653-4C00-9A27-33051B0507AB}" type="datetimeFigureOut">
               <a:rPr lang="ko-KR" altLang="en-US" smtClean="0"/>
-              <a:t>2020-04-18</a:t>
+              <a:t>2020-04-19</a:t>
             </a:fld>
             <a:endParaRPr lang="ko-KR" altLang="en-US"/>
           </a:p>
@@ -818,6 +818,354 @@
 </p:notes>
 </file>
 
+<file path=ppt/notesSlides/notesSlide3.xml><?xml version="1.0" encoding="utf-8"?>
+<p:notes xmlns:a="http://schemas.openxmlformats.org/drawingml/2006/main" xmlns:r="http://schemas.openxmlformats.org/officeDocument/2006/relationships" xmlns:p="http://schemas.openxmlformats.org/presentationml/2006/main">
+  <p:cSld>
+    <p:spTree>
+      <p:nvGrpSpPr>
+        <p:cNvPr id="1" name=""/>
+        <p:cNvGrpSpPr/>
+        <p:nvPr/>
+      </p:nvGrpSpPr>
+      <p:grpSpPr>
+        <a:xfrm>
+          <a:off x="0" y="0"/>
+          <a:ext cx="0" cy="0"/>
+          <a:chOff x="0" y="0"/>
+          <a:chExt cx="0" cy="0"/>
+        </a:xfrm>
+      </p:grpSpPr>
+      <p:sp>
+        <p:nvSpPr>
+          <p:cNvPr id="2" name="슬라이드 이미지 개체 틀 1"/>
+          <p:cNvSpPr>
+            <a:spLocks noGrp="1" noRot="1" noChangeAspect="1"/>
+          </p:cNvSpPr>
+          <p:nvPr>
+            <p:ph type="sldImg"/>
+          </p:nvPr>
+        </p:nvSpPr>
+        <p:spPr/>
+      </p:sp>
+      <p:sp>
+        <p:nvSpPr>
+          <p:cNvPr id="3" name="슬라이드 노트 개체 틀 2"/>
+          <p:cNvSpPr>
+            <a:spLocks noGrp="1"/>
+          </p:cNvSpPr>
+          <p:nvPr>
+            <p:ph type="body" idx="1"/>
+          </p:nvPr>
+        </p:nvSpPr>
+        <p:spPr/>
+        <p:txBody>
+          <a:bodyPr/>
+          <a:lstStyle/>
+          <a:p>
+            <a:r>
+              <a:rPr lang="en-US" altLang="ko-KR" dirty="0"/>
+              <a:t>333</a:t>
+            </a:r>
+            <a:endParaRPr lang="ko-KR" altLang="en-US" dirty="0"/>
+          </a:p>
+        </p:txBody>
+      </p:sp>
+      <p:sp>
+        <p:nvSpPr>
+          <p:cNvPr id="4" name="슬라이드 번호 개체 틀 3"/>
+          <p:cNvSpPr>
+            <a:spLocks noGrp="1"/>
+          </p:cNvSpPr>
+          <p:nvPr>
+            <p:ph type="sldNum" sz="quarter" idx="5"/>
+          </p:nvPr>
+        </p:nvSpPr>
+        <p:spPr/>
+        <p:txBody>
+          <a:bodyPr/>
+          <a:lstStyle/>
+          <a:p>
+            <a:fld id="{6FFF734C-C871-4412-8D7E-A3AAB2BAA53A}" type="slidenum">
+              <a:rPr lang="ko-KR" altLang="en-US" smtClean="0"/>
+              <a:t>3</a:t>
+            </a:fld>
+            <a:endParaRPr lang="ko-KR" altLang="en-US"/>
+          </a:p>
+        </p:txBody>
+      </p:sp>
+    </p:spTree>
+    <p:extLst>
+      <p:ext uri="{BB962C8B-B14F-4D97-AF65-F5344CB8AC3E}">
+        <p14:creationId xmlns:p14="http://schemas.microsoft.com/office/powerpoint/2010/main" val="647357002"/>
+      </p:ext>
+    </p:extLst>
+  </p:cSld>
+  <p:clrMapOvr>
+    <a:masterClrMapping/>
+  </p:clrMapOvr>
+</p:notes>
+</file>
+
+<file path=ppt/notesSlides/notesSlide4.xml><?xml version="1.0" encoding="utf-8"?>
+<p:notes xmlns:a="http://schemas.openxmlformats.org/drawingml/2006/main" xmlns:r="http://schemas.openxmlformats.org/officeDocument/2006/relationships" xmlns:p="http://schemas.openxmlformats.org/presentationml/2006/main">
+  <p:cSld>
+    <p:spTree>
+      <p:nvGrpSpPr>
+        <p:cNvPr id="1" name=""/>
+        <p:cNvGrpSpPr/>
+        <p:nvPr/>
+      </p:nvGrpSpPr>
+      <p:grpSpPr>
+        <a:xfrm>
+          <a:off x="0" y="0"/>
+          <a:ext cx="0" cy="0"/>
+          <a:chOff x="0" y="0"/>
+          <a:chExt cx="0" cy="0"/>
+        </a:xfrm>
+      </p:grpSpPr>
+      <p:sp>
+        <p:nvSpPr>
+          <p:cNvPr id="2" name="슬라이드 이미지 개체 틀 1"/>
+          <p:cNvSpPr>
+            <a:spLocks noGrp="1" noRot="1" noChangeAspect="1"/>
+          </p:cNvSpPr>
+          <p:nvPr>
+            <p:ph type="sldImg"/>
+          </p:nvPr>
+        </p:nvSpPr>
+        <p:spPr/>
+      </p:sp>
+      <p:sp>
+        <p:nvSpPr>
+          <p:cNvPr id="3" name="슬라이드 노트 개체 틀 2"/>
+          <p:cNvSpPr>
+            <a:spLocks noGrp="1"/>
+          </p:cNvSpPr>
+          <p:nvPr>
+            <p:ph type="body" idx="1"/>
+          </p:nvPr>
+        </p:nvSpPr>
+        <p:spPr/>
+        <p:txBody>
+          <a:bodyPr/>
+          <a:lstStyle/>
+          <a:p>
+            <a:r>
+              <a:rPr lang="en-US" altLang="ko-KR" dirty="0"/>
+              <a:t>444</a:t>
+            </a:r>
+            <a:endParaRPr lang="ko-KR" altLang="en-US" dirty="0"/>
+          </a:p>
+        </p:txBody>
+      </p:sp>
+      <p:sp>
+        <p:nvSpPr>
+          <p:cNvPr id="4" name="슬라이드 번호 개체 틀 3"/>
+          <p:cNvSpPr>
+            <a:spLocks noGrp="1"/>
+          </p:cNvSpPr>
+          <p:nvPr>
+            <p:ph type="sldNum" sz="quarter" idx="5"/>
+          </p:nvPr>
+        </p:nvSpPr>
+        <p:spPr/>
+        <p:txBody>
+          <a:bodyPr/>
+          <a:lstStyle/>
+          <a:p>
+            <a:fld id="{6FFF734C-C871-4412-8D7E-A3AAB2BAA53A}" type="slidenum">
+              <a:rPr lang="ko-KR" altLang="en-US" smtClean="0"/>
+              <a:t>4</a:t>
+            </a:fld>
+            <a:endParaRPr lang="ko-KR" altLang="en-US"/>
+          </a:p>
+        </p:txBody>
+      </p:sp>
+    </p:spTree>
+    <p:extLst>
+      <p:ext uri="{BB962C8B-B14F-4D97-AF65-F5344CB8AC3E}">
+        <p14:creationId xmlns:p14="http://schemas.microsoft.com/office/powerpoint/2010/main" val="2679922689"/>
+      </p:ext>
+    </p:extLst>
+  </p:cSld>
+  <p:clrMapOvr>
+    <a:masterClrMapping/>
+  </p:clrMapOvr>
+</p:notes>
+</file>
+
+<file path=ppt/notesSlides/notesSlide5.xml><?xml version="1.0" encoding="utf-8"?>
+<p:notes xmlns:a="http://schemas.openxmlformats.org/drawingml/2006/main" xmlns:r="http://schemas.openxmlformats.org/officeDocument/2006/relationships" xmlns:p="http://schemas.openxmlformats.org/presentationml/2006/main">
+  <p:cSld>
+    <p:spTree>
+      <p:nvGrpSpPr>
+        <p:cNvPr id="1" name=""/>
+        <p:cNvGrpSpPr/>
+        <p:nvPr/>
+      </p:nvGrpSpPr>
+      <p:grpSpPr>
+        <a:xfrm>
+          <a:off x="0" y="0"/>
+          <a:ext cx="0" cy="0"/>
+          <a:chOff x="0" y="0"/>
+          <a:chExt cx="0" cy="0"/>
+        </a:xfrm>
+      </p:grpSpPr>
+      <p:sp>
+        <p:nvSpPr>
+          <p:cNvPr id="2" name="슬라이드 이미지 개체 틀 1"/>
+          <p:cNvSpPr>
+            <a:spLocks noGrp="1" noRot="1" noChangeAspect="1"/>
+          </p:cNvSpPr>
+          <p:nvPr>
+            <p:ph type="sldImg"/>
+          </p:nvPr>
+        </p:nvSpPr>
+        <p:spPr/>
+      </p:sp>
+      <p:sp>
+        <p:nvSpPr>
+          <p:cNvPr id="3" name="슬라이드 노트 개체 틀 2"/>
+          <p:cNvSpPr>
+            <a:spLocks noGrp="1"/>
+          </p:cNvSpPr>
+          <p:nvPr>
+            <p:ph type="body" idx="1"/>
+          </p:nvPr>
+        </p:nvSpPr>
+        <p:spPr/>
+        <p:txBody>
+          <a:bodyPr/>
+          <a:lstStyle/>
+          <a:p>
+            <a:r>
+              <a:rPr lang="en-US" altLang="ko-KR" dirty="0"/>
+              <a:t>555</a:t>
+            </a:r>
+            <a:endParaRPr lang="ko-KR" altLang="en-US" dirty="0"/>
+          </a:p>
+        </p:txBody>
+      </p:sp>
+      <p:sp>
+        <p:nvSpPr>
+          <p:cNvPr id="4" name="슬라이드 번호 개체 틀 3"/>
+          <p:cNvSpPr>
+            <a:spLocks noGrp="1"/>
+          </p:cNvSpPr>
+          <p:nvPr>
+            <p:ph type="sldNum" sz="quarter" idx="5"/>
+          </p:nvPr>
+        </p:nvSpPr>
+        <p:spPr/>
+        <p:txBody>
+          <a:bodyPr/>
+          <a:lstStyle/>
+          <a:p>
+            <a:fld id="{6FFF734C-C871-4412-8D7E-A3AAB2BAA53A}" type="slidenum">
+              <a:rPr lang="ko-KR" altLang="en-US" smtClean="0"/>
+              <a:t>5</a:t>
+            </a:fld>
+            <a:endParaRPr lang="ko-KR" altLang="en-US"/>
+          </a:p>
+        </p:txBody>
+      </p:sp>
+    </p:spTree>
+    <p:extLst>
+      <p:ext uri="{BB962C8B-B14F-4D97-AF65-F5344CB8AC3E}">
+        <p14:creationId xmlns:p14="http://schemas.microsoft.com/office/powerpoint/2010/main" val="1860398295"/>
+      </p:ext>
+    </p:extLst>
+  </p:cSld>
+  <p:clrMapOvr>
+    <a:masterClrMapping/>
+  </p:clrMapOvr>
+</p:notes>
+</file>
+
+<file path=ppt/notesSlides/notesSlide6.xml><?xml version="1.0" encoding="utf-8"?>
+<p:notes xmlns:a="http://schemas.openxmlformats.org/drawingml/2006/main" xmlns:r="http://schemas.openxmlformats.org/officeDocument/2006/relationships" xmlns:p="http://schemas.openxmlformats.org/presentationml/2006/main">
+  <p:cSld>
+    <p:spTree>
+      <p:nvGrpSpPr>
+        <p:cNvPr id="1" name=""/>
+        <p:cNvGrpSpPr/>
+        <p:nvPr/>
+      </p:nvGrpSpPr>
+      <p:grpSpPr>
+        <a:xfrm>
+          <a:off x="0" y="0"/>
+          <a:ext cx="0" cy="0"/>
+          <a:chOff x="0" y="0"/>
+          <a:chExt cx="0" cy="0"/>
+        </a:xfrm>
+      </p:grpSpPr>
+      <p:sp>
+        <p:nvSpPr>
+          <p:cNvPr id="2" name="슬라이드 이미지 개체 틀 1"/>
+          <p:cNvSpPr>
+            <a:spLocks noGrp="1" noRot="1" noChangeAspect="1"/>
+          </p:cNvSpPr>
+          <p:nvPr>
+            <p:ph type="sldImg"/>
+          </p:nvPr>
+        </p:nvSpPr>
+        <p:spPr/>
+      </p:sp>
+      <p:sp>
+        <p:nvSpPr>
+          <p:cNvPr id="3" name="슬라이드 노트 개체 틀 2"/>
+          <p:cNvSpPr>
+            <a:spLocks noGrp="1"/>
+          </p:cNvSpPr>
+          <p:nvPr>
+            <p:ph type="body" idx="1"/>
+          </p:nvPr>
+        </p:nvSpPr>
+        <p:spPr/>
+        <p:txBody>
+          <a:bodyPr/>
+          <a:lstStyle/>
+          <a:p>
+            <a:endParaRPr lang="ko-KR" altLang="en-US"/>
+          </a:p>
+        </p:txBody>
+      </p:sp>
+      <p:sp>
+        <p:nvSpPr>
+          <p:cNvPr id="4" name="슬라이드 번호 개체 틀 3"/>
+          <p:cNvSpPr>
+            <a:spLocks noGrp="1"/>
+          </p:cNvSpPr>
+          <p:nvPr>
+            <p:ph type="sldNum" sz="quarter" idx="5"/>
+          </p:nvPr>
+        </p:nvSpPr>
+        <p:spPr/>
+        <p:txBody>
+          <a:bodyPr/>
+          <a:lstStyle/>
+          <a:p>
+            <a:fld id="{6FFF734C-C871-4412-8D7E-A3AAB2BAA53A}" type="slidenum">
+              <a:rPr lang="ko-KR" altLang="en-US" smtClean="0"/>
+              <a:t>7</a:t>
+            </a:fld>
+            <a:endParaRPr lang="ko-KR" altLang="en-US"/>
+          </a:p>
+        </p:txBody>
+      </p:sp>
+    </p:spTree>
+    <p:extLst>
+      <p:ext uri="{BB962C8B-B14F-4D97-AF65-F5344CB8AC3E}">
+        <p14:creationId xmlns:p14="http://schemas.microsoft.com/office/powerpoint/2010/main" val="4061420964"/>
+      </p:ext>
+    </p:extLst>
+  </p:cSld>
+  <p:clrMapOvr>
+    <a:masterClrMapping/>
+  </p:clrMapOvr>
+</p:notes>
+</file>
+
 <file path=ppt/slideLayouts/slideLayout1.xml><?xml version="1.0" encoding="utf-8"?>
 <p:sldLayout xmlns:a="http://schemas.openxmlformats.org/drawingml/2006/main" xmlns:r="http://schemas.openxmlformats.org/officeDocument/2006/relationships" xmlns:p="http://schemas.openxmlformats.org/presentationml/2006/main" type="title" preserve="1">
   <p:cSld name="제목 슬라이드">
@@ -965,7 +1313,7 @@
           <a:p>
             <a:fld id="{0FAF6461-7780-4633-A1EE-2F7E011C5AAB}" type="datetime1">
               <a:rPr lang="ko-KR" altLang="en-US" smtClean="0"/>
-              <a:t>2020-04-18</a:t>
+              <a:t>2020-04-19</a:t>
             </a:fld>
             <a:endParaRPr lang="ko-KR" altLang="en-US"/>
           </a:p>
@@ -1163,7 +1511,7 @@
           <a:p>
             <a:fld id="{B8DAD619-9FA6-4AC0-B872-8F69F74FE1C3}" type="datetime1">
               <a:rPr lang="ko-KR" altLang="en-US" smtClean="0"/>
-              <a:t>2020-04-18</a:t>
+              <a:t>2020-04-19</a:t>
             </a:fld>
             <a:endParaRPr lang="ko-KR" altLang="en-US"/>
           </a:p>
@@ -1371,7 +1719,7 @@
           <a:p>
             <a:fld id="{5DFB9F5A-7092-4026-8D14-CAF8720407D7}" type="datetime1">
               <a:rPr lang="ko-KR" altLang="en-US" smtClean="0"/>
-              <a:t>2020-04-18</a:t>
+              <a:t>2020-04-19</a:t>
             </a:fld>
             <a:endParaRPr lang="ko-KR" altLang="en-US"/>
           </a:p>
@@ -1569,7 +1917,7 @@
           <a:p>
             <a:fld id="{45415FCF-DFA3-4D0D-9F4F-DC9680948D28}" type="datetime1">
               <a:rPr lang="ko-KR" altLang="en-US" smtClean="0"/>
-              <a:t>2020-04-18</a:t>
+              <a:t>2020-04-19</a:t>
             </a:fld>
             <a:endParaRPr lang="ko-KR" altLang="en-US"/>
           </a:p>
@@ -1844,7 +2192,7 @@
           <a:p>
             <a:fld id="{08B32B78-C157-407D-A8F9-45BBF55F1C0B}" type="datetime1">
               <a:rPr lang="ko-KR" altLang="en-US" smtClean="0"/>
-              <a:t>2020-04-18</a:t>
+              <a:t>2020-04-19</a:t>
             </a:fld>
             <a:endParaRPr lang="ko-KR" altLang="en-US"/>
           </a:p>
@@ -2109,7 +2457,7 @@
           <a:p>
             <a:fld id="{3513B0F6-4577-457B-B790-7086EBA264F2}" type="datetime1">
               <a:rPr lang="ko-KR" altLang="en-US" smtClean="0"/>
-              <a:t>2020-04-18</a:t>
+              <a:t>2020-04-19</a:t>
             </a:fld>
             <a:endParaRPr lang="ko-KR" altLang="en-US"/>
           </a:p>
@@ -2521,7 +2869,7 @@
           <a:p>
             <a:fld id="{D2F2C40A-1D59-4570-B872-A8BEA0771F85}" type="datetime1">
               <a:rPr lang="ko-KR" altLang="en-US" smtClean="0"/>
-              <a:t>2020-04-18</a:t>
+              <a:t>2020-04-19</a:t>
             </a:fld>
             <a:endParaRPr lang="ko-KR" altLang="en-US"/>
           </a:p>
@@ -2662,7 +3010,7 @@
           <a:p>
             <a:fld id="{9EA6792A-EA1A-47F9-BDA7-11E30DF6F113}" type="datetime1">
               <a:rPr lang="ko-KR" altLang="en-US" smtClean="0"/>
-              <a:t>2020-04-18</a:t>
+              <a:t>2020-04-19</a:t>
             </a:fld>
             <a:endParaRPr lang="ko-KR" altLang="en-US"/>
           </a:p>
@@ -2775,7 +3123,7 @@
           <a:p>
             <a:fld id="{5458E522-8471-4F0F-BAB6-0357A1189F54}" type="datetime1">
               <a:rPr lang="ko-KR" altLang="en-US" smtClean="0"/>
-              <a:t>2020-04-18</a:t>
+              <a:t>2020-04-19</a:t>
             </a:fld>
             <a:endParaRPr lang="ko-KR" altLang="en-US"/>
           </a:p>
@@ -3086,7 +3434,7 @@
           <a:p>
             <a:fld id="{C544A8F5-09BE-4231-8C63-855BC73471B1}" type="datetime1">
               <a:rPr lang="ko-KR" altLang="en-US" smtClean="0"/>
-              <a:t>2020-04-18</a:t>
+              <a:t>2020-04-19</a:t>
             </a:fld>
             <a:endParaRPr lang="ko-KR" altLang="en-US"/>
           </a:p>
@@ -3374,7 +3722,7 @@
           <a:p>
             <a:fld id="{C16501AD-5FC5-4B7D-B095-F5CA7D55BEDA}" type="datetime1">
               <a:rPr lang="ko-KR" altLang="en-US" smtClean="0"/>
-              <a:t>2020-04-18</a:t>
+              <a:t>2020-04-19</a:t>
             </a:fld>
             <a:endParaRPr lang="ko-KR" altLang="en-US"/>
           </a:p>
@@ -3615,7 +3963,7 @@
           <a:p>
             <a:fld id="{3E252E02-539F-44C7-8EAF-E31AB35E9B9C}" type="datetime1">
               <a:rPr lang="ko-KR" altLang="en-US" smtClean="0"/>
-              <a:t>2020-04-18</a:t>
+              <a:t>2020-04-19</a:t>
             </a:fld>
             <a:endParaRPr lang="ko-KR" altLang="en-US"/>
           </a:p>
@@ -6807,7 +7155,15 @@
           <a:p>
             <a:r>
               <a:rPr lang="en-US" altLang="ko-KR" dirty="0"/>
-              <a:t>outline</a:t>
+              <a:t>Uses of </a:t>
+            </a:r>
+            <a:r>
+              <a:rPr lang="en-US" altLang="ko-KR" dirty="0" err="1"/>
+              <a:t>gan</a:t>
+            </a:r>
+            <a:r>
+              <a:rPr lang="en-US" altLang="ko-KR" dirty="0"/>
+              <a:t> : image translation</a:t>
             </a:r>
             <a:endParaRPr lang="ko-KR" altLang="en-US" dirty="0"/>
           </a:p>
@@ -6839,7 +7195,38 @@
           <a:bodyPr/>
           <a:lstStyle/>
           <a:p>
-            <a:endParaRPr lang="ko-KR" altLang="en-US" dirty="0"/>
+            <a:r>
+              <a:rPr lang="en-US" altLang="ko-KR" dirty="0" err="1"/>
+              <a:t>Uc</a:t>
+            </a:r>
+            <a:r>
+              <a:rPr lang="ko-KR" altLang="en-US" dirty="0"/>
+              <a:t> 버클리 </a:t>
+            </a:r>
+            <a:r>
+              <a:rPr lang="en-US" altLang="ko-KR" dirty="0"/>
+              <a:t>cycle</a:t>
+            </a:r>
+            <a:r>
+              <a:rPr lang="ko-KR" altLang="en-US" dirty="0"/>
+              <a:t> </a:t>
+            </a:r>
+            <a:r>
+              <a:rPr lang="en-US" altLang="ko-KR" dirty="0" err="1"/>
+              <a:t>gan</a:t>
+            </a:r>
+            <a:r>
+              <a:rPr lang="ko-KR" altLang="en-US" dirty="0"/>
+              <a:t> 으로</a:t>
+            </a:r>
+            <a:r>
+              <a:rPr lang="en-US" altLang="ko-KR" dirty="0"/>
+              <a:t> </a:t>
+            </a:r>
+            <a:r>
+              <a:rPr lang="ko-KR" altLang="en-US" dirty="0"/>
+              <a:t>이미지 변환한 사진</a:t>
+            </a:r>
           </a:p>
         </p:txBody>
       </p:sp>
@@ -8118,6 +8505,34 @@
           <a:bodyPr/>
           <a:lstStyle/>
           <a:p>
+            <a:r>
+              <a:rPr lang="en-US" altLang="ko-KR" dirty="0"/>
+              <a:t>Limitations</a:t>
+            </a:r>
+            <a:r>
+              <a:rPr lang="ko-KR" altLang="en-US" dirty="0"/>
+              <a:t> </a:t>
+            </a:r>
+            <a:r>
+              <a:rPr lang="en-US" altLang="ko-KR" dirty="0"/>
+              <a:t>of</a:t>
+            </a:r>
+            <a:r>
+              <a:rPr lang="ko-KR" altLang="en-US" dirty="0"/>
+              <a:t> </a:t>
+            </a:r>
+            <a:r>
+              <a:rPr lang="en-US" altLang="ko-KR" dirty="0"/>
+              <a:t>cycle</a:t>
+            </a:r>
+            <a:r>
+              <a:rPr lang="ko-KR" altLang="en-US" dirty="0"/>
+              <a:t> </a:t>
+            </a:r>
+            <a:r>
+              <a:rPr lang="en-US" altLang="ko-KR" dirty="0" err="1"/>
+              <a:t>gan</a:t>
+            </a:r>
             <a:endParaRPr lang="ko-KR" altLang="en-US" dirty="0"/>
           </a:p>
         </p:txBody>
@@ -8147,6 +8562,58 @@
         <p:txBody>
           <a:bodyPr/>
           <a:lstStyle/>
+          <a:p>
+            <a:r>
+              <a:rPr lang="en-US" altLang="ko-KR" dirty="0"/>
+              <a:t>1. only</a:t>
+            </a:r>
+            <a:r>
+              <a:rPr lang="ko-KR" altLang="en-US" dirty="0"/>
+              <a:t> </a:t>
+            </a:r>
+            <a:r>
+              <a:rPr lang="en-US" altLang="ko-KR" dirty="0"/>
+              <a:t>1:1 match</a:t>
+            </a:r>
+          </a:p>
+          <a:p>
+            <a:endParaRPr lang="en-US" altLang="ko-KR" dirty="0"/>
+          </a:p>
+          <a:p>
+            <a:r>
+              <a:rPr lang="en-US" altLang="ko-KR" dirty="0"/>
+              <a:t>2. hard to change shape of instances in image</a:t>
+            </a:r>
+          </a:p>
+          <a:p>
+            <a:pPr marL="0" indent="0">
+              <a:buNone/>
+            </a:pPr>
+            <a:endParaRPr lang="en-US" altLang="ko-KR" dirty="0"/>
+          </a:p>
+          <a:p>
+            <a:r>
+              <a:rPr lang="en-US" altLang="ko-KR" dirty="0"/>
+              <a:t>3. can’t translate only instance that exclude background</a:t>
+            </a:r>
+          </a:p>
+          <a:p>
+            <a:endParaRPr lang="en-US" altLang="ko-KR" dirty="0"/>
+          </a:p>
+          <a:p>
+            <a:r>
+              <a:rPr lang="en-US" altLang="ko-KR" dirty="0"/>
+              <a:t>4. if there are many instances, instances</a:t>
+            </a:r>
+            <a:r>
+              <a:rPr lang="ko-KR" altLang="en-US" dirty="0"/>
+              <a:t> </a:t>
+            </a:r>
+            <a:r>
+              <a:rPr lang="en-US" altLang="ko-KR" dirty="0"/>
+              <a:t>are integrated in output image</a:t>
+            </a:r>
+          </a:p>
           <a:p>
             <a:endParaRPr lang="ko-KR" altLang="en-US" dirty="0"/>
           </a:p>
@@ -8356,6 +8823,10 @@
           <a:bodyPr/>
           <a:lstStyle/>
           <a:p>
+            <a:r>
+              <a:rPr lang="en-US" altLang="ko-KR" dirty="0"/>
+              <a:t>Related work</a:t>
+            </a:r>
             <a:endParaRPr lang="ko-KR" altLang="en-US" dirty="0"/>
           </a:p>
         </p:txBody>
@@ -8385,6 +8856,68 @@
         <p:txBody>
           <a:bodyPr/>
           <a:lstStyle/>
+          <a:p>
+            <a:r>
+              <a:rPr lang="en-US" altLang="ko-KR" dirty="0"/>
+              <a:t> extract</a:t>
+            </a:r>
+            <a:r>
+              <a:rPr lang="ko-KR" altLang="en-US" dirty="0"/>
+              <a:t> </a:t>
+            </a:r>
+            <a:r>
+              <a:rPr lang="en-US" altLang="ko-KR" dirty="0"/>
+              <a:t>key-frame</a:t>
+            </a:r>
+            <a:r>
+              <a:rPr lang="ko-KR" altLang="en-US" dirty="0"/>
+              <a:t> </a:t>
+            </a:r>
+            <a:r>
+              <a:rPr lang="en-US" altLang="ko-KR" dirty="0"/>
+              <a:t>from</a:t>
+            </a:r>
+            <a:r>
+              <a:rPr lang="ko-KR" altLang="en-US" dirty="0"/>
+              <a:t> </a:t>
+            </a:r>
+            <a:r>
+              <a:rPr lang="en-US" altLang="ko-KR" dirty="0"/>
+              <a:t>video when video-to-cartoon</a:t>
+            </a:r>
+          </a:p>
+          <a:p>
+            <a:endParaRPr lang="en-US" altLang="ko-KR" dirty="0"/>
+          </a:p>
+          <a:p>
+            <a:r>
+              <a:rPr lang="en-US" altLang="ko-KR" dirty="0"/>
+              <a:t>When translating image like </a:t>
+            </a:r>
+            <a:r>
+              <a:rPr lang="en-US" altLang="ko-KR" dirty="0" err="1"/>
+              <a:t>catoon</a:t>
+            </a:r>
+            <a:r>
+              <a:rPr lang="en-US" altLang="ko-KR" dirty="0"/>
+              <a:t> , to change image more naturally ?</a:t>
+            </a:r>
+          </a:p>
+          <a:p>
+            <a:endParaRPr lang="en-US" altLang="ko-KR" dirty="0"/>
+          </a:p>
+          <a:p>
+            <a:r>
+              <a:rPr lang="en-US" altLang="ko-KR" dirty="0"/>
+              <a:t>To increase resolution of output image</a:t>
+            </a:r>
+          </a:p>
+          <a:p>
+            <a:endParaRPr lang="en-US" altLang="ko-KR" dirty="0"/>
+          </a:p>
+          <a:p>
+            <a:endParaRPr lang="en-US" altLang="ko-KR" dirty="0"/>
+          </a:p>
           <a:p>
             <a:endParaRPr lang="ko-KR" altLang="en-US" dirty="0"/>
           </a:p>
@@ -8475,6 +9008,10 @@
           <a:bodyPr/>
           <a:lstStyle/>
           <a:p>
+            <a:r>
+              <a:rPr lang="en-US" altLang="ko-KR" dirty="0"/>
+              <a:t>1st. Key-frame extraction</a:t>
+            </a:r>
             <a:endParaRPr lang="ko-KR" altLang="en-US" dirty="0"/>
           </a:p>
         </p:txBody>
